--- a/Optimizacija upita kod PostgreSQL baze podataka.pptx
+++ b/Optimizacija upita kod PostgreSQL baze podataka.pptx
@@ -6,13 +6,15 @@
   </p:sldMasterIdLst>
   <p:sldIdLst>
     <p:sldId id="256" r:id="rId3"/>
-    <p:sldId id="257" r:id="rId4"/>
-    <p:sldId id="258" r:id="rId5"/>
-    <p:sldId id="259" r:id="rId6"/>
-    <p:sldId id="260" r:id="rId7"/>
-    <p:sldId id="261" r:id="rId8"/>
-    <p:sldId id="262" r:id="rId9"/>
-    <p:sldId id="263" r:id="rId10"/>
+    <p:sldId id="264" r:id="rId4"/>
+    <p:sldId id="257" r:id="rId5"/>
+    <p:sldId id="258" r:id="rId6"/>
+    <p:sldId id="259" r:id="rId7"/>
+    <p:sldId id="260" r:id="rId8"/>
+    <p:sldId id="261" r:id="rId9"/>
+    <p:sldId id="262" r:id="rId10"/>
+    <p:sldId id="263" r:id="rId11"/>
+    <p:sldId id="265" r:id="rId12"/>
   </p:sldIdLst>
   <p:sldSz cx="12192000" cy="6858000"/>
   <p:notesSz cx="6858000" cy="9144000"/>
@@ -312,6 +314,18 @@
   <p:clrMapOvr>
     <a:masterClrMapping/>
   </p:clrMapOvr>
+  <mc:AlternateContent xmlns:mc="http://schemas.openxmlformats.org/markup-compatibility/2006">
+    <mc:Choice xmlns:p14="http://schemas.microsoft.com/office/powerpoint/2010/main" Requires="p14">
+      <p:transition spd="med" p14:dur="750">
+        <p:pull/>
+      </p:transition>
+    </mc:Choice>
+    <mc:Fallback>
+      <p:transition spd="med">
+        <p:pull/>
+      </p:transition>
+    </mc:Fallback>
+  </mc:AlternateContent>
 </p:sldLayout>
 </file>
 
@@ -479,6 +493,18 @@
   <p:clrMapOvr>
     <a:masterClrMapping/>
   </p:clrMapOvr>
+  <mc:AlternateContent xmlns:mc="http://schemas.openxmlformats.org/markup-compatibility/2006">
+    <mc:Choice xmlns:p14="http://schemas.microsoft.com/office/powerpoint/2010/main" Requires="p14">
+      <p:transition spd="med" p14:dur="750">
+        <p:pull/>
+      </p:transition>
+    </mc:Choice>
+    <mc:Fallback>
+      <p:transition spd="med">
+        <p:pull/>
+      </p:transition>
+    </mc:Fallback>
+  </mc:AlternateContent>
 </p:sldLayout>
 </file>
 
@@ -656,6 +682,18 @@
   <p:clrMapOvr>
     <a:masterClrMapping/>
   </p:clrMapOvr>
+  <mc:AlternateContent xmlns:mc="http://schemas.openxmlformats.org/markup-compatibility/2006">
+    <mc:Choice xmlns:p14="http://schemas.microsoft.com/office/powerpoint/2010/main" Requires="p14">
+      <p:transition spd="med" p14:dur="750">
+        <p:pull/>
+      </p:transition>
+    </mc:Choice>
+    <mc:Fallback>
+      <p:transition spd="med">
+        <p:pull/>
+      </p:transition>
+    </mc:Fallback>
+  </mc:AlternateContent>
 </p:sldLayout>
 </file>
 
@@ -823,6 +861,18 @@
   <p:clrMapOvr>
     <a:masterClrMapping/>
   </p:clrMapOvr>
+  <mc:AlternateContent xmlns:mc="http://schemas.openxmlformats.org/markup-compatibility/2006">
+    <mc:Choice xmlns:p14="http://schemas.microsoft.com/office/powerpoint/2010/main" Requires="p14">
+      <p:transition spd="med" p14:dur="750">
+        <p:pull/>
+      </p:transition>
+    </mc:Choice>
+    <mc:Fallback>
+      <p:transition spd="med">
+        <p:pull/>
+      </p:transition>
+    </mc:Fallback>
+  </mc:AlternateContent>
 </p:sldLayout>
 </file>
 
@@ -1063,6 +1113,18 @@
   <p:clrMapOvr>
     <a:masterClrMapping/>
   </p:clrMapOvr>
+  <mc:AlternateContent xmlns:mc="http://schemas.openxmlformats.org/markup-compatibility/2006">
+    <mc:Choice xmlns:p14="http://schemas.microsoft.com/office/powerpoint/2010/main" Requires="p14">
+      <p:transition spd="med" p14:dur="750">
+        <p:pull/>
+      </p:transition>
+    </mc:Choice>
+    <mc:Fallback>
+      <p:transition spd="med">
+        <p:pull/>
+      </p:transition>
+    </mc:Fallback>
+  </mc:AlternateContent>
 </p:sldLayout>
 </file>
 
@@ -1296,6 +1358,18 @@
   <p:clrMapOvr>
     <a:masterClrMapping/>
   </p:clrMapOvr>
+  <mc:AlternateContent xmlns:mc="http://schemas.openxmlformats.org/markup-compatibility/2006">
+    <mc:Choice xmlns:p14="http://schemas.microsoft.com/office/powerpoint/2010/main" Requires="p14">
+      <p:transition spd="med" p14:dur="750">
+        <p:pull/>
+      </p:transition>
+    </mc:Choice>
+    <mc:Fallback>
+      <p:transition spd="med">
+        <p:pull/>
+      </p:transition>
+    </mc:Fallback>
+  </mc:AlternateContent>
 </p:sldLayout>
 </file>
 
@@ -1666,6 +1740,18 @@
   <p:clrMapOvr>
     <a:masterClrMapping/>
   </p:clrMapOvr>
+  <mc:AlternateContent xmlns:mc="http://schemas.openxmlformats.org/markup-compatibility/2006">
+    <mc:Choice xmlns:p14="http://schemas.microsoft.com/office/powerpoint/2010/main" Requires="p14">
+      <p:transition spd="med" p14:dur="750">
+        <p:pull/>
+      </p:transition>
+    </mc:Choice>
+    <mc:Fallback>
+      <p:transition spd="med">
+        <p:pull/>
+      </p:transition>
+    </mc:Fallback>
+  </mc:AlternateContent>
 </p:sldLayout>
 </file>
 
@@ -1777,6 +1863,18 @@
   <p:clrMapOvr>
     <a:masterClrMapping/>
   </p:clrMapOvr>
+  <mc:AlternateContent xmlns:mc="http://schemas.openxmlformats.org/markup-compatibility/2006">
+    <mc:Choice xmlns:p14="http://schemas.microsoft.com/office/powerpoint/2010/main" Requires="p14">
+      <p:transition spd="med" p14:dur="750">
+        <p:pull/>
+      </p:transition>
+    </mc:Choice>
+    <mc:Fallback>
+      <p:transition spd="med">
+        <p:pull/>
+      </p:transition>
+    </mc:Fallback>
+  </mc:AlternateContent>
 </p:sldLayout>
 </file>
 
@@ -1865,6 +1963,18 @@
   <p:clrMapOvr>
     <a:masterClrMapping/>
   </p:clrMapOvr>
+  <mc:AlternateContent xmlns:mc="http://schemas.openxmlformats.org/markup-compatibility/2006">
+    <mc:Choice xmlns:p14="http://schemas.microsoft.com/office/powerpoint/2010/main" Requires="p14">
+      <p:transition spd="med" p14:dur="750">
+        <p:pull/>
+      </p:transition>
+    </mc:Choice>
+    <mc:Fallback>
+      <p:transition spd="med">
+        <p:pull/>
+      </p:transition>
+    </mc:Fallback>
+  </mc:AlternateContent>
 </p:sldLayout>
 </file>
 
@@ -2140,6 +2250,18 @@
   <p:clrMapOvr>
     <a:masterClrMapping/>
   </p:clrMapOvr>
+  <mc:AlternateContent xmlns:mc="http://schemas.openxmlformats.org/markup-compatibility/2006">
+    <mc:Choice xmlns:p14="http://schemas.microsoft.com/office/powerpoint/2010/main" Requires="p14">
+      <p:transition spd="med" p14:dur="750">
+        <p:pull/>
+      </p:transition>
+    </mc:Choice>
+    <mc:Fallback>
+      <p:transition spd="med">
+        <p:pull/>
+      </p:transition>
+    </mc:Fallback>
+  </mc:AlternateContent>
 </p:sldLayout>
 </file>
 
@@ -2387,6 +2509,18 @@
   <p:clrMapOvr>
     <a:masterClrMapping/>
   </p:clrMapOvr>
+  <mc:AlternateContent xmlns:mc="http://schemas.openxmlformats.org/markup-compatibility/2006">
+    <mc:Choice xmlns:p14="http://schemas.microsoft.com/office/powerpoint/2010/main" Requires="p14">
+      <p:transition spd="med" p14:dur="750">
+        <p:pull/>
+      </p:transition>
+    </mc:Choice>
+    <mc:Fallback>
+      <p:transition spd="med">
+        <p:pull/>
+      </p:transition>
+    </mc:Fallback>
+  </mc:AlternateContent>
 </p:sldLayout>
 </file>
 
@@ -2394,9 +2528,23 @@
 <p:sldMaster xmlns:a="http://schemas.openxmlformats.org/drawingml/2006/main" xmlns:r="http://schemas.openxmlformats.org/officeDocument/2006/relationships" xmlns:p="http://schemas.openxmlformats.org/presentationml/2006/main">
   <p:cSld>
     <p:bg>
-      <p:bgRef idx="1001">
-        <a:schemeClr val="bg1"/>
-      </p:bgRef>
+      <p:bgPr>
+        <a:gradFill rotWithShape="0">
+          <a:gsLst>
+            <a:gs pos="0">
+              <a:srgbClr val="FECF40">
+                <a:lumMod val="58000"/>
+                <a:lumOff val="42000"/>
+              </a:srgbClr>
+            </a:gs>
+            <a:gs pos="100000">
+              <a:srgbClr val="846C21"/>
+            </a:gs>
+          </a:gsLst>
+          <a:lin scaled="0"/>
+        </a:gradFill>
+        <a:effectLst/>
+      </p:bgPr>
     </p:bg>
     <p:spTree>
       <p:nvGrpSpPr>
@@ -2644,6 +2792,18 @@
     <p:sldLayoutId id="2147483658" r:id="rId10"/>
     <p:sldLayoutId id="2147483659" r:id="rId11"/>
   </p:sldLayoutIdLst>
+  <mc:AlternateContent xmlns:mc="http://schemas.openxmlformats.org/markup-compatibility/2006">
+    <mc:Choice xmlns:p14="http://schemas.microsoft.com/office/powerpoint/2010/main" Requires="p14">
+      <p:transition spd="med" p14:dur="750">
+        <p:pull/>
+      </p:transition>
+    </mc:Choice>
+    <mc:Fallback>
+      <p:transition spd="med">
+        <p:pull/>
+      </p:transition>
+    </mc:Fallback>
+  </mc:AlternateContent>
   <p:txStyles>
     <p:titleStyle>
       <a:lvl1pPr algn="l" defTabSz="914400" rtl="0" eaLnBrk="1" latinLnBrk="0" hangingPunct="1">
@@ -2995,6 +3155,163 @@
   <p:clrMapOvr>
     <a:masterClrMapping/>
   </p:clrMapOvr>
+  <mc:AlternateContent xmlns:mc="http://schemas.openxmlformats.org/markup-compatibility/2006">
+    <mc:Choice xmlns:p14="http://schemas.microsoft.com/office/powerpoint/2010/main" Requires="p14">
+      <p:transition spd="med" p14:dur="750">
+        <p:pull/>
+      </p:transition>
+    </mc:Choice>
+    <mc:Fallback>
+      <p:transition spd="med">
+        <p:pull/>
+      </p:transition>
+    </mc:Fallback>
+  </mc:AlternateContent>
+</p:sld>
+</file>
+
+<file path=ppt/slides/slide10.xml><?xml version="1.0" encoding="utf-8"?>
+<p:sld xmlns:a="http://schemas.openxmlformats.org/drawingml/2006/main" xmlns:r="http://schemas.openxmlformats.org/officeDocument/2006/relationships" xmlns:p="http://schemas.openxmlformats.org/presentationml/2006/main">
+  <p:cSld>
+    <p:spTree>
+      <p:nvGrpSpPr>
+        <p:cNvPr id="1" name=""/>
+        <p:cNvGrpSpPr/>
+        <p:nvPr/>
+      </p:nvGrpSpPr>
+      <p:grpSpPr/>
+      <p:sp>
+        <p:nvSpPr>
+          <p:cNvPr id="2" name="Title 1"/>
+          <p:cNvSpPr>
+            <a:spLocks noGrp="1"/>
+          </p:cNvSpPr>
+          <p:nvPr>
+            <p:ph type="title"/>
+          </p:nvPr>
+        </p:nvSpPr>
+        <p:spPr>
+          <a:xfrm>
+            <a:off x="878205" y="86995"/>
+            <a:ext cx="10515600" cy="1325563"/>
+          </a:xfrm>
+        </p:spPr>
+        <p:txBody>
+          <a:bodyPr>
+            <a:normAutofit/>
+          </a:bodyPr>
+          <a:p>
+            <a:pPr algn="ctr"/>
+            <a:r>
+              <a:rPr lang="en-US"/>
+              <a:t>Particionisanje tabela</a:t>
+            </a:r>
+            <a:endParaRPr lang="en-US"/>
+          </a:p>
+        </p:txBody>
+      </p:sp>
+      <p:sp>
+        <p:nvSpPr>
+          <p:cNvPr id="3" name="Content Placeholder 2"/>
+          <p:cNvSpPr>
+            <a:spLocks noGrp="1"/>
+          </p:cNvSpPr>
+          <p:nvPr>
+            <p:ph idx="1"/>
+          </p:nvPr>
+        </p:nvSpPr>
+        <p:spPr>
+          <a:xfrm>
+            <a:off x="505460" y="1412875"/>
+            <a:ext cx="10848340" cy="4351655"/>
+          </a:xfrm>
+        </p:spPr>
+        <p:txBody>
+          <a:bodyPr/>
+          <a:p>
+            <a:pPr marL="0" indent="0">
+              <a:buNone/>
+            </a:pPr>
+            <a:r>
+              <a:rPr lang="en-US" altLang="en-US"/>
+              <a:t> Svaka particija sadrzi podskup podataka iz glavne tabele, pri cemu se delovi podataka dodeljuju particijama na osnovu odredjenih kriterijuma.</a:t>
+            </a:r>
+            <a:endParaRPr lang="en-US" altLang="en-US"/>
+          </a:p>
+          <a:p>
+            <a:pPr marL="0" indent="0">
+              <a:buNone/>
+            </a:pPr>
+            <a:r>
+              <a:rPr lang="en-US" altLang="en-US" u="sng"/>
+              <a:t>Vrste particionisanja u PostgreSQL-u:</a:t>
+            </a:r>
+            <a:endParaRPr lang="en-US" altLang="en-US" u="sng"/>
+          </a:p>
+          <a:p>
+            <a:r>
+              <a:rPr lang="en-US" altLang="en-US"/>
+              <a:t>Range partitioning (particionisanje po opsegu vrednosti)</a:t>
+            </a:r>
+            <a:endParaRPr lang="en-US" altLang="en-US"/>
+          </a:p>
+          <a:p>
+            <a:r>
+              <a:rPr lang="en-US" altLang="en-US"/>
+              <a:t>List partitioning (particionisanje po listi vrednosti)</a:t>
+            </a:r>
+            <a:endParaRPr lang="en-US" altLang="en-US"/>
+          </a:p>
+          <a:p>
+            <a:r>
+              <a:rPr lang="en-US" altLang="en-US"/>
+              <a:t>Hash partitioning (particionisanje po hash vrednosti) </a:t>
+            </a:r>
+            <a:endParaRPr lang="en-US" altLang="en-US"/>
+          </a:p>
+        </p:txBody>
+      </p:sp>
+      <p:pic>
+        <p:nvPicPr>
+          <p:cNvPr id="4" name="Picture 3"/>
+          <p:cNvPicPr>
+            <a:picLocks noChangeAspect="1"/>
+          </p:cNvPicPr>
+          <p:nvPr/>
+        </p:nvPicPr>
+        <p:blipFill>
+          <a:blip r:embed="rId1"/>
+          <a:stretch>
+            <a:fillRect/>
+          </a:stretch>
+        </p:blipFill>
+        <p:spPr>
+          <a:xfrm>
+            <a:off x="8502015" y="3465195"/>
+            <a:ext cx="3566160" cy="2715895"/>
+          </a:xfrm>
+          <a:prstGeom prst="rect">
+            <a:avLst/>
+          </a:prstGeom>
+        </p:spPr>
+      </p:pic>
+    </p:spTree>
+  </p:cSld>
+  <p:clrMapOvr>
+    <a:masterClrMapping/>
+  </p:clrMapOvr>
+  <mc:AlternateContent xmlns:mc="http://schemas.openxmlformats.org/markup-compatibility/2006">
+    <mc:Choice xmlns:p14="http://schemas.microsoft.com/office/powerpoint/2010/main" Requires="p14">
+      <p:transition spd="med" p14:dur="750">
+        <p:pull/>
+      </p:transition>
+    </mc:Choice>
+    <mc:Fallback>
+      <p:transition spd="med">
+        <p:pull/>
+      </p:transition>
+    </mc:Fallback>
+  </mc:AlternateContent>
 </p:sld>
 </file>
 
@@ -3018,6 +3335,111 @@
             <p:ph type="title"/>
           </p:nvPr>
         </p:nvSpPr>
+        <p:spPr/>
+        <p:txBody>
+          <a:bodyPr/>
+          <a:p>
+            <a:r>
+              <a:rPr lang="en-US" altLang="en-US"/>
+              <a:t>Osnovne metrike performansi SQL upita</a:t>
+            </a:r>
+            <a:endParaRPr lang="en-US" altLang="en-US"/>
+          </a:p>
+        </p:txBody>
+      </p:sp>
+      <p:sp>
+        <p:nvSpPr>
+          <p:cNvPr id="3" name="Content Placeholder 2"/>
+          <p:cNvSpPr>
+            <a:spLocks noGrp="1"/>
+          </p:cNvSpPr>
+          <p:nvPr>
+            <p:ph idx="1"/>
+          </p:nvPr>
+        </p:nvSpPr>
+        <p:spPr/>
+        <p:txBody>
+          <a:bodyPr/>
+          <a:p>
+            <a:r>
+              <a:rPr lang="en-US" altLang="en-US"/>
+              <a:t>1.Vreme izvrsavanja (Execution Time)</a:t>
+            </a:r>
+            <a:endParaRPr lang="en-US" altLang="en-US"/>
+          </a:p>
+          <a:p>
+            <a:r>
+              <a:rPr lang="en-US" altLang="en-US"/>
+              <a:t>2.Broj citanja</a:t>
+            </a:r>
+            <a:endParaRPr lang="en-US" altLang="en-US"/>
+          </a:p>
+          <a:p>
+            <a:r>
+              <a:rPr lang="en-US" altLang="en-US"/>
+              <a:t>3.Iskoriscenost CPU-a i memorije</a:t>
+            </a:r>
+            <a:endParaRPr lang="en-US" altLang="en-US"/>
+          </a:p>
+          <a:p>
+            <a:endParaRPr lang="en-US" altLang="en-US"/>
+          </a:p>
+          <a:p>
+            <a:r>
+              <a:rPr lang="en-US" altLang="en-US"/>
+              <a:t>Komande za merenje performansi upita su EXPLAIN i EXPLAIN ANALYZE.</a:t>
+            </a:r>
+            <a:endParaRPr lang="en-US" altLang="en-US"/>
+          </a:p>
+          <a:p>
+            <a:r>
+              <a:rPr lang="en-US" altLang="en-US"/>
+              <a:t>EXPLAIN samo prikazuje plan izvrsenja upita, EXPLAIN ANALYZE prikazuje plan izvrsenja upita i izvrsava upit.</a:t>
+            </a:r>
+            <a:endParaRPr lang="en-US" altLang="en-US"/>
+          </a:p>
+        </p:txBody>
+      </p:sp>
+    </p:spTree>
+  </p:cSld>
+  <p:clrMapOvr>
+    <a:masterClrMapping/>
+  </p:clrMapOvr>
+  <mc:AlternateContent xmlns:mc="http://schemas.openxmlformats.org/markup-compatibility/2006">
+    <mc:Choice xmlns:p14="http://schemas.microsoft.com/office/powerpoint/2010/main" Requires="p14">
+      <p:transition spd="med" p14:dur="750">
+        <p:pull/>
+      </p:transition>
+    </mc:Choice>
+    <mc:Fallback>
+      <p:transition spd="med">
+        <p:pull/>
+      </p:transition>
+    </mc:Fallback>
+  </mc:AlternateContent>
+</p:sld>
+</file>
+
+<file path=ppt/slides/slide3.xml><?xml version="1.0" encoding="utf-8"?>
+<p:sld xmlns:a="http://schemas.openxmlformats.org/drawingml/2006/main" xmlns:r="http://schemas.openxmlformats.org/officeDocument/2006/relationships" xmlns:p="http://schemas.openxmlformats.org/presentationml/2006/main">
+  <p:cSld>
+    <p:spTree>
+      <p:nvGrpSpPr>
+        <p:cNvPr id="1" name=""/>
+        <p:cNvGrpSpPr/>
+        <p:nvPr/>
+      </p:nvGrpSpPr>
+      <p:grpSpPr/>
+      <p:sp>
+        <p:nvSpPr>
+          <p:cNvPr id="2" name="Title 1"/>
+          <p:cNvSpPr>
+            <a:spLocks noGrp="1"/>
+          </p:cNvSpPr>
+          <p:nvPr>
+            <p:ph type="title"/>
+          </p:nvPr>
+        </p:nvSpPr>
         <p:spPr>
           <a:xfrm>
             <a:off x="838200" y="365125"/>
@@ -3030,7 +3452,7 @@
             <a:pPr algn="ctr"/>
             <a:r>
               <a:rPr lang="en-US"/>
-              <a:t>Indeks</a:t>
+              <a:t>Indeksi</a:t>
             </a:r>
             <a:endParaRPr lang="en-US"/>
           </a:p>
@@ -3071,28 +3493,60 @@
           <a:p>
             <a:r>
               <a:rPr lang="en-US" altLang="en-US"/>
-              <a:t>Ubrzava citanje podataka</a:t>
+              <a:t>Potencijalno ubrzava ili usporava pisanje podataka. </a:t>
             </a:r>
             <a:endParaRPr lang="en-US" altLang="en-US"/>
           </a:p>
           <a:p>
-            <a:r>
-              <a:rPr lang="en-US" altLang="en-US"/>
-              <a:t>Usporava pisanje podataka. </a:t>
-            </a:r>
             <a:endParaRPr lang="en-US" altLang="en-US"/>
           </a:p>
         </p:txBody>
       </p:sp>
+      <p:pic>
+        <p:nvPicPr>
+          <p:cNvPr id="4" name="Picture 3"/>
+          <p:cNvPicPr>
+            <a:picLocks noChangeAspect="1"/>
+          </p:cNvPicPr>
+          <p:nvPr/>
+        </p:nvPicPr>
+        <p:blipFill>
+          <a:blip r:embed="rId1"/>
+          <a:stretch>
+            <a:fillRect/>
+          </a:stretch>
+        </p:blipFill>
+        <p:spPr>
+          <a:xfrm>
+            <a:off x="2877820" y="3429000"/>
+            <a:ext cx="6801485" cy="2799715"/>
+          </a:xfrm>
+          <a:prstGeom prst="rect">
+            <a:avLst/>
+          </a:prstGeom>
+        </p:spPr>
+      </p:pic>
     </p:spTree>
   </p:cSld>
   <p:clrMapOvr>
     <a:masterClrMapping/>
   </p:clrMapOvr>
+  <mc:AlternateContent xmlns:mc="http://schemas.openxmlformats.org/markup-compatibility/2006">
+    <mc:Choice xmlns:p14="http://schemas.microsoft.com/office/powerpoint/2010/main" Requires="p14">
+      <p:transition spd="med" p14:dur="750">
+        <p:pull/>
+      </p:transition>
+    </mc:Choice>
+    <mc:Fallback>
+      <p:transition spd="med">
+        <p:pull/>
+      </p:transition>
+    </mc:Fallback>
+  </mc:AlternateContent>
 </p:sld>
 </file>
 
-<file path=ppt/slides/slide3.xml><?xml version="1.0" encoding="utf-8"?>
+<file path=ppt/slides/slide4.xml><?xml version="1.0" encoding="utf-8"?>
 <p:sld xmlns:a="http://schemas.openxmlformats.org/drawingml/2006/main" xmlns:r="http://schemas.openxmlformats.org/officeDocument/2006/relationships" xmlns:p="http://schemas.openxmlformats.org/presentationml/2006/main">
   <p:cSld>
     <p:spTree>
@@ -3133,81 +3587,18 @@
   <p:clrMapOvr>
     <a:masterClrMapping/>
   </p:clrMapOvr>
-</p:sld>
-</file>
-
-<file path=ppt/slides/slide4.xml><?xml version="1.0" encoding="utf-8"?>
-<p:sld xmlns:a="http://schemas.openxmlformats.org/drawingml/2006/main" xmlns:r="http://schemas.openxmlformats.org/officeDocument/2006/relationships" xmlns:p="http://schemas.openxmlformats.org/presentationml/2006/main">
-  <p:cSld>
-    <p:spTree>
-      <p:nvGrpSpPr>
-        <p:cNvPr id="1" name=""/>
-        <p:cNvGrpSpPr/>
-        <p:nvPr/>
-      </p:nvGrpSpPr>
-      <p:grpSpPr/>
-      <p:sp>
-        <p:nvSpPr>
-          <p:cNvPr id="3" name="Content Placeholder 2"/>
-          <p:cNvSpPr>
-            <a:spLocks noGrp="1"/>
-          </p:cNvSpPr>
-          <p:nvPr>
-            <p:ph idx="1"/>
-          </p:nvPr>
-        </p:nvSpPr>
-        <p:spPr>
-          <a:xfrm>
-            <a:off x="838200" y="454025"/>
-            <a:ext cx="10515600" cy="5723255"/>
-          </a:xfrm>
-        </p:spPr>
-        <p:txBody>
-          <a:bodyPr/>
-          <a:p>
-            <a:r>
-              <a:rPr lang="en-US" altLang="en-US">
-                <a:solidFill>
-                  <a:srgbClr val="FF0000"/>
-                </a:solidFill>
-              </a:rPr>
-              <a:t>Partial indeks</a:t>
-            </a:r>
-            <a:r>
-              <a:rPr lang="en-US" altLang="en-US"/>
-              <a:t> se pravi na koloni ali samo za one redove koji zadovoljavaju odredjeni uslov.</a:t>
-            </a:r>
-            <a:endParaRPr lang="en-US" altLang="en-US"/>
-          </a:p>
-          <a:p>
-            <a:r>
-              <a:rPr lang="en-US" altLang="en-US"/>
-              <a:t> Time se smanjuje prostor na disku koji indeks zauzima. </a:t>
-            </a:r>
-            <a:endParaRPr lang="en-US" altLang="en-US"/>
-          </a:p>
-          <a:p>
-            <a:r>
-              <a:rPr lang="en-US" altLang="en-US">
-                <a:solidFill>
-                  <a:srgbClr val="FF0000"/>
-                </a:solidFill>
-              </a:rPr>
-              <a:t>Expression indeks</a:t>
-            </a:r>
-            <a:r>
-              <a:rPr lang="en-US" altLang="en-US"/>
-              <a:t> i se pravi na izrazu (expression) koji ukljucuje kolonu a ne direktno na samoj koloni.</a:t>
-            </a:r>
-            <a:endParaRPr lang="en-US" altLang="en-US"/>
-          </a:p>
-        </p:txBody>
-      </p:sp>
-    </p:spTree>
-  </p:cSld>
-  <p:clrMapOvr>
-    <a:masterClrMapping/>
-  </p:clrMapOvr>
+  <mc:AlternateContent xmlns:mc="http://schemas.openxmlformats.org/markup-compatibility/2006">
+    <mc:Choice xmlns:p14="http://schemas.microsoft.com/office/powerpoint/2010/main" Requires="p14">
+      <p:transition spd="med" p14:dur="750">
+        <p:pull/>
+      </p:transition>
+    </mc:Choice>
+    <mc:Fallback>
+      <p:transition spd="med">
+        <p:pull/>
+      </p:transition>
+    </mc:Fallback>
+  </mc:AlternateContent>
 </p:sld>
 </file>
 
@@ -3223,30 +3614,6 @@
       <p:grpSpPr/>
       <p:sp>
         <p:nvSpPr>
-          <p:cNvPr id="2" name="Title 1"/>
-          <p:cNvSpPr>
-            <a:spLocks noGrp="1"/>
-          </p:cNvSpPr>
-          <p:nvPr>
-            <p:ph type="title"/>
-          </p:nvPr>
-        </p:nvSpPr>
-        <p:spPr/>
-        <p:txBody>
-          <a:bodyPr>
-            <a:normAutofit/>
-          </a:bodyPr>
-          <a:p>
-            <a:r>
-              <a:rPr lang="en-US" altLang="en-US"/>
-              <a:t>Koriscenje podupita na optimalan nacin</a:t>
-            </a:r>
-            <a:endParaRPr lang="en-US" altLang="en-US"/>
-          </a:p>
-        </p:txBody>
-      </p:sp>
-      <p:sp>
-        <p:nvSpPr>
           <p:cNvPr id="3" name="Content Placeholder 2"/>
           <p:cNvSpPr>
             <a:spLocks noGrp="1"/>
@@ -3257,56 +3624,48 @@
         </p:nvSpPr>
         <p:spPr>
           <a:xfrm>
-            <a:off x="838200" y="1495425"/>
-            <a:ext cx="10515600" cy="4681855"/>
+            <a:off x="838200" y="454025"/>
+            <a:ext cx="10515600" cy="5723255"/>
           </a:xfrm>
         </p:spPr>
         <p:txBody>
           <a:bodyPr/>
           <a:p>
             <a:r>
-              <a:rPr lang="en-US"/>
-              <a:t>Kada se koristi </a:t>
-            </a:r>
-            <a:r>
-              <a:rPr lang="en-US">
+              <a:rPr lang="en-US" altLang="en-US">
                 <a:solidFill>
                   <a:srgbClr val="FF0000"/>
                 </a:solidFill>
               </a:rPr>
-              <a:t>operator IN</a:t>
-            </a:r>
-            <a:r>
-              <a:rPr lang="en-US"/>
-              <a:t>, baza izvrsava ceo podupit a tek onda proverava da li neki red iz spoljne tabele pripada rezultatu tog podupita. </a:t>
-            </a:r>
-            <a:endParaRPr lang="en-US"/>
-          </a:p>
-          <a:p>
-            <a:r>
-              <a:rPr lang="en-US"/>
-              <a:t>Kada se koristi </a:t>
-            </a:r>
-            <a:r>
-              <a:rPr lang="en-US">
+              <a:t>Partial indeks</a:t>
+            </a:r>
+            <a:r>
+              <a:rPr lang="en-US" altLang="en-US"/>
+              <a:t> se pravi na koloni ali samo za one redove koji zadovoljavaju odredjeni uslov.</a:t>
+            </a:r>
+            <a:endParaRPr lang="en-US" altLang="en-US"/>
+          </a:p>
+          <a:p>
+            <a:r>
+              <a:rPr lang="en-US" altLang="en-US"/>
+              <a:t> Time se smanjuje prostor na disku koji indeks zauzima. </a:t>
+            </a:r>
+            <a:endParaRPr lang="en-US" altLang="en-US"/>
+          </a:p>
+          <a:p>
+            <a:r>
+              <a:rPr lang="en-US" altLang="en-US">
                 <a:solidFill>
                   <a:srgbClr val="FF0000"/>
                 </a:solidFill>
               </a:rPr>
-              <a:t>operator EXISTS</a:t>
-            </a:r>
-            <a:r>
-              <a:rPr lang="en-US"/>
-              <a:t>, cim se pronadje jedan red koji zadovoljava uslov, izvrsavanje se odmah prekida.</a:t>
-            </a:r>
-            <a:endParaRPr lang="en-US"/>
-          </a:p>
-          <a:p>
-            <a:r>
-              <a:rPr lang="en-US"/>
-              <a:t>Preporuceno je koristiti operator IN samo ukoliko nije moguce koristiti operator EXISTS.</a:t>
-            </a:r>
-            <a:endParaRPr lang="en-US"/>
+              <a:t>Expression indeks</a:t>
+            </a:r>
+            <a:r>
+              <a:rPr lang="en-US" altLang="en-US"/>
+              <a:t> i se pravi na izrazu (expression) koji ukljucuje kolonu a ne direktno na samoj koloni.</a:t>
+            </a:r>
+            <a:endParaRPr lang="en-US" altLang="en-US"/>
           </a:p>
         </p:txBody>
       </p:sp>
@@ -3315,6 +3674,18 @@
   <p:clrMapOvr>
     <a:masterClrMapping/>
   </p:clrMapOvr>
+  <mc:AlternateContent xmlns:mc="http://schemas.openxmlformats.org/markup-compatibility/2006">
+    <mc:Choice xmlns:p14="http://schemas.microsoft.com/office/powerpoint/2010/main" Requires="p14">
+      <p:transition spd="med" p14:dur="750">
+        <p:pull/>
+      </p:transition>
+    </mc:Choice>
+    <mc:Fallback>
+      <p:transition spd="med">
+        <p:pull/>
+      </p:transition>
+    </mc:Fallback>
+  </mc:AlternateContent>
 </p:sld>
 </file>
 
@@ -3330,6 +3701,31 @@
       <p:grpSpPr/>
       <p:sp>
         <p:nvSpPr>
+          <p:cNvPr id="2" name="Title 1"/>
+          <p:cNvSpPr>
+            <a:spLocks noGrp="1"/>
+          </p:cNvSpPr>
+          <p:nvPr>
+            <p:ph type="title"/>
+          </p:nvPr>
+        </p:nvSpPr>
+        <p:spPr/>
+        <p:txBody>
+          <a:bodyPr>
+            <a:normAutofit/>
+          </a:bodyPr>
+          <a:p>
+            <a:pPr algn="ctr"/>
+            <a:r>
+              <a:rPr lang="en-US" altLang="en-US"/>
+              <a:t>Koriscenje podupita na optimalan nacin</a:t>
+            </a:r>
+            <a:endParaRPr lang="en-US" altLang="en-US"/>
+          </a:p>
+        </p:txBody>
+      </p:sp>
+      <p:sp>
+        <p:nvSpPr>
           <p:cNvPr id="3" name="Content Placeholder 2"/>
           <p:cNvSpPr>
             <a:spLocks noGrp="1"/>
@@ -3340,33 +3736,56 @@
         </p:nvSpPr>
         <p:spPr>
           <a:xfrm>
-            <a:off x="838200" y="419100"/>
-            <a:ext cx="10515600" cy="5758180"/>
+            <a:off x="838200" y="1495425"/>
+            <a:ext cx="10515600" cy="4681855"/>
           </a:xfrm>
         </p:spPr>
         <p:txBody>
           <a:bodyPr/>
           <a:p>
             <a:r>
-              <a:rPr lang="en-US" altLang="en-US">
+              <a:rPr lang="en-US"/>
+              <a:t>Kada se koristi </a:t>
+            </a:r>
+            <a:r>
+              <a:rPr lang="en-US">
                 <a:solidFill>
                   <a:srgbClr val="FF0000"/>
                 </a:solidFill>
               </a:rPr>
-              <a:t>Operator WITH</a:t>
-            </a:r>
-            <a:r>
-              <a:rPr lang="en-US" altLang="en-US"/>
-              <a:t> u SQL-u oznava CTE(Common Table Expression), odnosno neku vrstu privremene tabele koja postoji samo tokom izvrsavanja upita. </a:t>
-            </a:r>
-            <a:endParaRPr lang="en-US" altLang="en-US"/>
-          </a:p>
-          <a:p>
-            <a:r>
-              <a:rPr lang="en-US" altLang="en-US"/>
-              <a:t>Koriscenjem privremenih tabela u kojima su smesteni filtrirani podaci, JOIN-i rade sa tabelama koje imaju manji broj podataka, odnosno sadrze samo potrebne podatke i vreme izvrsavanja upita je krace. </a:t>
-            </a:r>
-            <a:endParaRPr lang="en-US" altLang="en-US"/>
+              <a:t>operator IN</a:t>
+            </a:r>
+            <a:r>
+              <a:rPr lang="en-US"/>
+              <a:t>, baza izvrsava ceo podupit a tek onda proverava da li neki red iz spoljne tabele pripada rezultatu tog podupita. </a:t>
+            </a:r>
+            <a:endParaRPr lang="en-US"/>
+          </a:p>
+          <a:p>
+            <a:r>
+              <a:rPr lang="en-US"/>
+              <a:t>Kada se koristi </a:t>
+            </a:r>
+            <a:r>
+              <a:rPr lang="en-US">
+                <a:solidFill>
+                  <a:srgbClr val="FF0000"/>
+                </a:solidFill>
+              </a:rPr>
+              <a:t>operator EXISTS</a:t>
+            </a:r>
+            <a:r>
+              <a:rPr lang="en-US"/>
+              <a:t>, cim se pronadje jedan red koji zadovoljava uslov, izvrsavanje se odmah prekida.</a:t>
+            </a:r>
+            <a:endParaRPr lang="en-US"/>
+          </a:p>
+          <a:p>
+            <a:r>
+              <a:rPr lang="en-US"/>
+              <a:t>Preporuceno je koristiti operator IN samo ukoliko nije moguce koristiti operator EXISTS.</a:t>
+            </a:r>
+            <a:endParaRPr lang="en-US"/>
           </a:p>
         </p:txBody>
       </p:sp>
@@ -3375,6 +3794,18 @@
   <p:clrMapOvr>
     <a:masterClrMapping/>
   </p:clrMapOvr>
+  <mc:AlternateContent xmlns:mc="http://schemas.openxmlformats.org/markup-compatibility/2006">
+    <mc:Choice xmlns:p14="http://schemas.microsoft.com/office/powerpoint/2010/main" Requires="p14">
+      <p:transition spd="med" p14:dur="750">
+        <p:pull/>
+      </p:transition>
+    </mc:Choice>
+    <mc:Fallback>
+      <p:transition spd="med">
+        <p:pull/>
+      </p:transition>
+    </mc:Fallback>
+  </mc:AlternateContent>
 </p:sld>
 </file>
 
@@ -3390,28 +3821,6 @@
       <p:grpSpPr/>
       <p:sp>
         <p:nvSpPr>
-          <p:cNvPr id="2" name="Title 1"/>
-          <p:cNvSpPr>
-            <a:spLocks noGrp="1"/>
-          </p:cNvSpPr>
-          <p:nvPr>
-            <p:ph type="title"/>
-          </p:nvPr>
-        </p:nvSpPr>
-        <p:spPr/>
-        <p:txBody>
-          <a:bodyPr/>
-          <a:p>
-            <a:r>
-              <a:rPr lang="en-US" altLang="en-US"/>
-              <a:t>Agregacije i grupisanje</a:t>
-            </a:r>
-            <a:endParaRPr lang="en-US" altLang="en-US"/>
-          </a:p>
-        </p:txBody>
-      </p:sp>
-      <p:sp>
-        <p:nvSpPr>
           <p:cNvPr id="3" name="Content Placeholder 2"/>
           <p:cNvSpPr>
             <a:spLocks noGrp="1"/>
@@ -3420,93 +3829,85 @@
             <p:ph idx="1"/>
           </p:nvPr>
         </p:nvSpPr>
-        <p:spPr/>
-        <p:txBody>
-          <a:bodyPr/>
-          <a:p>
-            <a:r>
-              <a:rPr lang="en-US" altLang="en-US"/>
-              <a:t>Za filtriranje podataka </a:t>
-            </a:r>
-            <a:r>
-              <a:rPr lang="en-US" altLang="en-US" u="sng"/>
-              <a:t>pre</a:t>
-            </a:r>
-            <a:r>
-              <a:rPr lang="en-US" altLang="en-US"/>
-              <a:t> nego sto se primeni agregacije koristi se </a:t>
-            </a:r>
+        <p:spPr>
+          <a:xfrm>
+            <a:off x="838200" y="419100"/>
+            <a:ext cx="10515600" cy="5758180"/>
+          </a:xfrm>
+        </p:spPr>
+        <p:txBody>
+          <a:bodyPr/>
+          <a:p>
             <a:r>
               <a:rPr lang="en-US" altLang="en-US">
                 <a:solidFill>
                   <a:srgbClr val="FF0000"/>
                 </a:solidFill>
               </a:rPr>
-              <a:t>WHERE</a:t>
+              <a:t>Operator WITH</a:t>
             </a:r>
             <a:r>
               <a:rPr lang="en-US" altLang="en-US"/>
-              <a:t> klauzula. </a:t>
+              <a:t> u SQL-u oznava CTE(Common Table Expression), odnosno neku vrstu privremene tabele koja postoji samo tokom izvrsavanja upita. </a:t>
             </a:r>
             <a:endParaRPr lang="en-US" altLang="en-US"/>
           </a:p>
           <a:p>
             <a:r>
               <a:rPr lang="en-US" altLang="en-US"/>
-              <a:t>Za filtriranje podataka </a:t>
-            </a:r>
-            <a:r>
-              <a:rPr lang="en-US" altLang="en-US" u="sng"/>
-              <a:t>nakon</a:t>
-            </a:r>
-            <a:r>
-              <a:rPr lang="en-US" altLang="en-US"/>
-              <a:t> grupisanja se koristi </a:t>
-            </a:r>
-            <a:r>
-              <a:rPr lang="en-US" altLang="en-US">
-                <a:solidFill>
-                  <a:srgbClr val="FF0000"/>
-                </a:solidFill>
-              </a:rPr>
-              <a:t>HAVING</a:t>
-            </a:r>
-            <a:r>
-              <a:rPr lang="en-US" altLang="en-US"/>
-              <a:t> klauzula.</a:t>
+              <a:t>Koriscenjem privremenih tabela u kojima su smesteni filtrirani podaci, JOIN-i rade sa tabelama koje imaju manji broj podataka, odnosno sadrze samo potrebne podatke i vreme izvrsavanja upita je krace. </a:t>
             </a:r>
             <a:endParaRPr lang="en-US" altLang="en-US"/>
           </a:p>
           <a:p>
-            <a:r>
-              <a:rPr lang="en-US" altLang="en-US">
-                <a:solidFill>
-                  <a:schemeClr val="tx1"/>
-                </a:solidFill>
-              </a:rPr>
-              <a:t>Za grupisanje se koristi </a:t>
-            </a:r>
-            <a:r>
-              <a:rPr lang="en-US" altLang="en-US">
-                <a:solidFill>
-                  <a:srgbClr val="FF0000"/>
-                </a:solidFill>
-              </a:rPr>
-              <a:t>GROUP BY klauzula koja</a:t>
-            </a:r>
-            <a:r>
-              <a:rPr lang="en-US" altLang="en-US"/>
-              <a:t> zahteva sortiranje po koloni po kojoj se grupise. Ako vec postoji indeks na toj koloni, PostgreSQL moze da iskoristi taj indeks i na taj nacin izbegne dodatno sortiranje.  </a:t>
-            </a:r>
             <a:endParaRPr lang="en-US" altLang="en-US"/>
           </a:p>
-        </p:txBody>
-      </p:sp>
+          <a:p>
+            <a:endParaRPr lang="en-US" altLang="en-US"/>
+          </a:p>
+        </p:txBody>
+      </p:sp>
+      <p:pic>
+        <p:nvPicPr>
+          <p:cNvPr id="2" name="Picture 1"/>
+          <p:cNvPicPr>
+            <a:picLocks noChangeAspect="1"/>
+          </p:cNvPicPr>
+          <p:nvPr/>
+        </p:nvPicPr>
+        <p:blipFill>
+          <a:blip r:embed="rId1"/>
+          <a:stretch>
+            <a:fillRect/>
+          </a:stretch>
+        </p:blipFill>
+        <p:spPr>
+          <a:xfrm>
+            <a:off x="3618865" y="3376930"/>
+            <a:ext cx="4527550" cy="2800350"/>
+          </a:xfrm>
+          <a:prstGeom prst="rect">
+            <a:avLst/>
+          </a:prstGeom>
+        </p:spPr>
+      </p:pic>
     </p:spTree>
   </p:cSld>
   <p:clrMapOvr>
     <a:masterClrMapping/>
   </p:clrMapOvr>
+  <mc:AlternateContent xmlns:mc="http://schemas.openxmlformats.org/markup-compatibility/2006">
+    <mc:Choice xmlns:p14="http://schemas.microsoft.com/office/powerpoint/2010/main" Requires="p14">
+      <p:transition spd="med" p14:dur="750">
+        <p:pull/>
+      </p:transition>
+    </mc:Choice>
+    <mc:Fallback>
+      <p:transition spd="med">
+        <p:pull/>
+      </p:transition>
+    </mc:Fallback>
+  </mc:AlternateContent>
 </p:sld>
 </file>
 
@@ -3534,7 +3935,12 @@
         <p:txBody>
           <a:bodyPr/>
           <a:p>
-            <a:endParaRPr lang="en-US"/>
+            <a:pPr algn="ctr"/>
+            <a:r>
+              <a:rPr lang="en-US" altLang="en-US"/>
+              <a:t>Agregacije i grupisanje</a:t>
+            </a:r>
+            <a:endParaRPr lang="en-US" altLang="en-US"/>
           </a:p>
         </p:txBody>
       </p:sp>
@@ -3552,7 +3958,81 @@
         <p:txBody>
           <a:bodyPr/>
           <a:p>
-            <a:endParaRPr lang="en-US"/>
+            <a:r>
+              <a:rPr lang="en-US" altLang="en-US"/>
+              <a:t>Za filtriranje podataka </a:t>
+            </a:r>
+            <a:r>
+              <a:rPr lang="en-US" altLang="en-US" u="sng"/>
+              <a:t>pre</a:t>
+            </a:r>
+            <a:r>
+              <a:rPr lang="en-US" altLang="en-US"/>
+              <a:t> nego sto se primeni agregacije koristi se </a:t>
+            </a:r>
+            <a:r>
+              <a:rPr lang="en-US" altLang="en-US">
+                <a:solidFill>
+                  <a:srgbClr val="FF0000"/>
+                </a:solidFill>
+              </a:rPr>
+              <a:t>WHERE</a:t>
+            </a:r>
+            <a:r>
+              <a:rPr lang="en-US" altLang="en-US"/>
+              <a:t> klauzula. </a:t>
+            </a:r>
+            <a:endParaRPr lang="en-US" altLang="en-US"/>
+          </a:p>
+          <a:p>
+            <a:r>
+              <a:rPr lang="en-US" altLang="en-US"/>
+              <a:t>Za filtriranje podataka </a:t>
+            </a:r>
+            <a:r>
+              <a:rPr lang="en-US" altLang="en-US" u="sng"/>
+              <a:t>nakon</a:t>
+            </a:r>
+            <a:r>
+              <a:rPr lang="en-US" altLang="en-US"/>
+              <a:t> grupisanja se koristi </a:t>
+            </a:r>
+            <a:r>
+              <a:rPr lang="en-US" altLang="en-US">
+                <a:solidFill>
+                  <a:srgbClr val="FF0000"/>
+                </a:solidFill>
+              </a:rPr>
+              <a:t>HAVING</a:t>
+            </a:r>
+            <a:r>
+              <a:rPr lang="en-US" altLang="en-US"/>
+              <a:t> klauzula.</a:t>
+            </a:r>
+            <a:endParaRPr lang="en-US" altLang="en-US"/>
+          </a:p>
+          <a:p>
+            <a:r>
+              <a:rPr lang="en-US" altLang="en-US">
+                <a:solidFill>
+                  <a:schemeClr val="tx1"/>
+                </a:solidFill>
+              </a:rPr>
+              <a:t>Za grupisanje se koristi </a:t>
+            </a:r>
+            <a:r>
+              <a:rPr lang="en-US" altLang="en-US">
+                <a:solidFill>
+                  <a:srgbClr val="FF0000"/>
+                </a:solidFill>
+              </a:rPr>
+              <a:t>GROUP BY klauzula koja</a:t>
+            </a:r>
+            <a:r>
+              <a:rPr lang="en-US" altLang="en-US"/>
+              <a:t> zahteva sortiranje po koloni po kojoj se grupise. Ako vec postoji indeks na toj koloni, PostgreSQL moze da iskoristi taj indeks i na taj nacin izbegne dodatno sortiranje.  </a:t>
+            </a:r>
+            <a:endParaRPr lang="en-US" altLang="en-US"/>
           </a:p>
         </p:txBody>
       </p:sp>
@@ -3561,6 +4041,154 @@
   <p:clrMapOvr>
     <a:masterClrMapping/>
   </p:clrMapOvr>
+  <mc:AlternateContent xmlns:mc="http://schemas.openxmlformats.org/markup-compatibility/2006">
+    <mc:Choice xmlns:p14="http://schemas.microsoft.com/office/powerpoint/2010/main" Requires="p14">
+      <p:transition spd="med" p14:dur="750">
+        <p:pull/>
+      </p:transition>
+    </mc:Choice>
+    <mc:Fallback>
+      <p:transition spd="med">
+        <p:pull/>
+      </p:transition>
+    </mc:Fallback>
+  </mc:AlternateContent>
+</p:sld>
+</file>
+
+<file path=ppt/slides/slide9.xml><?xml version="1.0" encoding="utf-8"?>
+<p:sld xmlns:a="http://schemas.openxmlformats.org/drawingml/2006/main" xmlns:r="http://schemas.openxmlformats.org/officeDocument/2006/relationships" xmlns:p="http://schemas.openxmlformats.org/presentationml/2006/main">
+  <p:cSld>
+    <p:spTree>
+      <p:nvGrpSpPr>
+        <p:cNvPr id="1" name=""/>
+        <p:cNvGrpSpPr/>
+        <p:nvPr/>
+      </p:nvGrpSpPr>
+      <p:grpSpPr/>
+      <p:sp>
+        <p:nvSpPr>
+          <p:cNvPr id="2" name="Title 1"/>
+          <p:cNvSpPr>
+            <a:spLocks noGrp="1"/>
+          </p:cNvSpPr>
+          <p:nvPr>
+            <p:ph type="title"/>
+          </p:nvPr>
+        </p:nvSpPr>
+        <p:spPr>
+          <a:xfrm>
+            <a:off x="838200" y="98425"/>
+            <a:ext cx="10515600" cy="1325563"/>
+          </a:xfrm>
+        </p:spPr>
+        <p:txBody>
+          <a:bodyPr/>
+          <a:p>
+            <a:pPr algn="ctr"/>
+            <a:r>
+              <a:rPr lang="en-US"/>
+              <a:t>Materialized view </a:t>
+            </a:r>
+            <a:endParaRPr lang="en-US"/>
+          </a:p>
+        </p:txBody>
+      </p:sp>
+      <p:sp>
+        <p:nvSpPr>
+          <p:cNvPr id="3" name="Content Placeholder 2"/>
+          <p:cNvSpPr>
+            <a:spLocks noGrp="1"/>
+          </p:cNvSpPr>
+          <p:nvPr>
+            <p:ph idx="1"/>
+          </p:nvPr>
+        </p:nvSpPr>
+        <p:spPr>
+          <a:xfrm>
+            <a:off x="838200" y="1235075"/>
+            <a:ext cx="10515600" cy="4654550"/>
+          </a:xfrm>
+        </p:spPr>
+        <p:txBody>
+          <a:bodyPr/>
+          <a:p>
+            <a:r>
+              <a:rPr lang="en-US" altLang="en-US"/>
+              <a:t>Materijalizovani pogled predstavlja predefinisanu tabelu koja cuva rezultat vec izvrsenog upita.</a:t>
+            </a:r>
+            <a:endParaRPr lang="en-US" altLang="en-US"/>
+          </a:p>
+          <a:p>
+            <a:r>
+              <a:rPr lang="en-US" altLang="en-US"/>
+              <a:t>Baza ne mora svaki put da obradjuje sve redove tabele.</a:t>
+            </a:r>
+            <a:endParaRPr lang="en-US" altLang="en-US"/>
+          </a:p>
+          <a:p>
+            <a:r>
+              <a:rPr lang="en-US" altLang="en-US"/>
+              <a:t>REFRESH MATERIALIZED VIEW - komanda za osvezavanje materijalizovanog pogleda.</a:t>
+            </a:r>
+            <a:endParaRPr lang="en-US" altLang="en-US"/>
+          </a:p>
+          <a:p>
+            <a:endParaRPr lang="en-US" altLang="en-US"/>
+          </a:p>
+          <a:p>
+            <a:endParaRPr lang="en-US" altLang="en-US"/>
+          </a:p>
+        </p:txBody>
+      </p:sp>
+      <p:pic>
+        <p:nvPicPr>
+          <p:cNvPr id="4" name="Picture 3"/>
+          <p:cNvPicPr>
+            <a:picLocks noChangeAspect="1"/>
+          </p:cNvPicPr>
+          <p:nvPr/>
+        </p:nvPicPr>
+        <p:blipFill>
+          <a:blip r:embed="rId1"/>
+          <a:stretch>
+            <a:fillRect/>
+          </a:stretch>
+        </p:blipFill>
+        <p:spPr>
+          <a:xfrm>
+            <a:off x="2691130" y="3678555"/>
+            <a:ext cx="6297930" cy="2827655"/>
+          </a:xfrm>
+          <a:prstGeom prst="rect">
+            <a:avLst/>
+          </a:prstGeom>
+        </p:spPr>
+      </p:pic>
+    </p:spTree>
+  </p:cSld>
+  <p:clrMapOvr>
+    <a:masterClrMapping/>
+  </p:clrMapOvr>
+  <mc:AlternateContent xmlns:mc="http://schemas.openxmlformats.org/markup-compatibility/2006">
+    <mc:Choice xmlns:p14="http://schemas.microsoft.com/office/powerpoint/2010/main" Requires="p14">
+      <p:transition spd="med" p14:dur="750">
+        <p:pull/>
+      </p:transition>
+    </mc:Choice>
+    <mc:Fallback>
+      <p:transition spd="med">
+        <p:pull/>
+      </p:transition>
+    </mc:Fallback>
+  </mc:AlternateContent>
+  <p:timing>
+    <p:tnLst>
+      <p:par>
+        <p:cTn id="1" dur="indefinite" restart="never" nodeType="tmRoot"/>
+      </p:par>
+    </p:tnLst>
+  </p:timing>
 </p:sld>
 </file>
 

--- a/Optimizacija upita kod PostgreSQL baze podataka.pptx
+++ b/Optimizacija upita kod PostgreSQL baze podataka.pptx
@@ -15,6 +15,7 @@
     <p:sldId id="262" r:id="rId10"/>
     <p:sldId id="263" r:id="rId11"/>
     <p:sldId id="265" r:id="rId12"/>
+    <p:sldId id="268" r:id="rId13"/>
   </p:sldIdLst>
   <p:sldSz cx="12192000" cy="6858000"/>
   <p:notesSz cx="6858000" cy="9144000"/>
@@ -121,7 +122,7 @@
             <a:srgbClr val="A4A3A4"/>
           </p15:clr>
         </p15:guide>
-        <p15:guide id="2" pos="3840" userDrawn="1">
+        <p15:guide id="2" pos="3810" userDrawn="1">
           <p15:clr>
             <a:srgbClr val="A4A3A4"/>
           </p15:clr>
@@ -3137,16 +3138,30 @@
             <p:ph type="subTitle" idx="1"/>
           </p:nvPr>
         </p:nvSpPr>
-        <p:spPr/>
-        <p:txBody>
-          <a:bodyPr/>
-          <a:lstStyle/>
-          <a:p>
-            <a:r>
-              <a:rPr lang="en-US"/>
-              <a:t>Zeljko Vasic 1808</a:t>
-            </a:r>
-            <a:endParaRPr lang="en-US"/>
+        <p:spPr>
+          <a:xfrm>
+            <a:off x="679450" y="4574540"/>
+            <a:ext cx="10737850" cy="1655445"/>
+          </a:xfrm>
+        </p:spPr>
+        <p:txBody>
+          <a:bodyPr/>
+          <a:lstStyle/>
+          <a:p>
+            <a:pPr indent="457200" algn="l"/>
+            <a:r>
+              <a:rPr lang="en-US" altLang="en-US"/>
+              <a:t>             Mentor: 							  Student:</a:t>
+            </a:r>
+            <a:endParaRPr lang="en-US" altLang="en-US"/>
+          </a:p>
+          <a:p>
+            <a:pPr indent="457200" algn="l"/>
+            <a:r>
+              <a:rPr lang="en-US" altLang="en-US"/>
+              <a:t>Prof. dr Aleksandar Stanimirovic 				Zeljko Vasic, br.ind. 1808</a:t>
+            </a:r>
+            <a:endParaRPr lang="en-US" altLang="en-US"/>
           </a:p>
         </p:txBody>
       </p:sp>
@@ -3295,6 +3310,84 @@
           </a:prstGeom>
         </p:spPr>
       </p:pic>
+    </p:spTree>
+  </p:cSld>
+  <p:clrMapOvr>
+    <a:masterClrMapping/>
+  </p:clrMapOvr>
+  <mc:AlternateContent xmlns:mc="http://schemas.openxmlformats.org/markup-compatibility/2006">
+    <mc:Choice xmlns:p14="http://schemas.microsoft.com/office/powerpoint/2010/main" Requires="p14">
+      <p:transition spd="med" p14:dur="750">
+        <p:pull/>
+      </p:transition>
+    </mc:Choice>
+    <mc:Fallback>
+      <p:transition spd="med">
+        <p:pull/>
+      </p:transition>
+    </mc:Fallback>
+  </mc:AlternateContent>
+</p:sld>
+</file>
+
+<file path=ppt/slides/slide11.xml><?xml version="1.0" encoding="utf-8"?>
+<p:sld xmlns:a="http://schemas.openxmlformats.org/drawingml/2006/main" xmlns:r="http://schemas.openxmlformats.org/officeDocument/2006/relationships" xmlns:p="http://schemas.openxmlformats.org/presentationml/2006/main">
+  <p:cSld>
+    <p:spTree>
+      <p:nvGrpSpPr>
+        <p:cNvPr id="1" name=""/>
+        <p:cNvGrpSpPr/>
+        <p:nvPr/>
+      </p:nvGrpSpPr>
+      <p:grpSpPr/>
+      <p:sp>
+        <p:nvSpPr>
+          <p:cNvPr id="2" name="Title 1"/>
+          <p:cNvSpPr>
+            <a:spLocks noGrp="1"/>
+          </p:cNvSpPr>
+          <p:nvPr>
+            <p:ph type="title"/>
+          </p:nvPr>
+        </p:nvSpPr>
+        <p:spPr/>
+        <p:txBody>
+          <a:bodyPr/>
+          <a:p>
+            <a:endParaRPr lang="en-US"/>
+          </a:p>
+        </p:txBody>
+      </p:sp>
+      <p:sp>
+        <p:nvSpPr>
+          <p:cNvPr id="3" name="Content Placeholder 2"/>
+          <p:cNvSpPr>
+            <a:spLocks noGrp="1"/>
+          </p:cNvSpPr>
+          <p:nvPr>
+            <p:ph idx="1"/>
+          </p:nvPr>
+        </p:nvSpPr>
+        <p:spPr/>
+        <p:txBody>
+          <a:bodyPr/>
+          <a:p>
+            <a:pPr marL="0" indent="0" algn="ctr">
+              <a:buNone/>
+            </a:pPr>
+            <a:r>
+              <a:rPr lang="en-US" sz="9600">
+                <a:sym typeface="+mn-ea"/>
+              </a:rPr>
+              <a:t>HVALA NA PAZNJI</a:t>
+            </a:r>
+            <a:endParaRPr lang="en-US" sz="9600"/>
+          </a:p>
+          <a:p>
+            <a:endParaRPr lang="en-US"/>
+          </a:p>
+        </p:txBody>
+      </p:sp>
     </p:spTree>
   </p:cSld>
   <p:clrMapOvr>
